--- a/презентация и записка/Prezentatsia.pptx
+++ b/презентация и записка/Prezentatsia.pptx
@@ -12,14 +12,13 @@
     <p:sldId id="259" r:id="rId6"/>
     <p:sldId id="260" r:id="rId7"/>
     <p:sldId id="262" r:id="rId8"/>
-    <p:sldId id="267" r:id="rId9"/>
-    <p:sldId id="263" r:id="rId10"/>
-    <p:sldId id="264" r:id="rId11"/>
-    <p:sldId id="265" r:id="rId12"/>
-    <p:sldId id="266" r:id="rId13"/>
-    <p:sldId id="268" r:id="rId14"/>
-    <p:sldId id="269" r:id="rId15"/>
-    <p:sldId id="270" r:id="rId16"/>
+    <p:sldId id="263" r:id="rId9"/>
+    <p:sldId id="264" r:id="rId10"/>
+    <p:sldId id="265" r:id="rId11"/>
+    <p:sldId id="266" r:id="rId12"/>
+    <p:sldId id="268" r:id="rId13"/>
+    <p:sldId id="269" r:id="rId14"/>
+    <p:sldId id="270" r:id="rId15"/>
   </p:sldIdLst>
   <p:sldSz cx="12192000" cy="6858000"/>
   <p:notesSz cx="6858000" cy="9144000"/>
@@ -400,7 +399,7 @@
           <a:p>
             <a:fld id="{7491FA95-C6E3-4933-B60E-47FD9BF6B283}" type="datetimeFigureOut">
               <a:rPr lang="ru-RU" smtClean="0"/>
-              <a:t>25.04.2021</a:t>
+              <a:t>28.05.2021</a:t>
             </a:fld>
             <a:endParaRPr lang="ru-RU"/>
           </a:p>
@@ -814,7 +813,7 @@
           <a:p>
             <a:fld id="{7491FA95-C6E3-4933-B60E-47FD9BF6B283}" type="datetimeFigureOut">
               <a:rPr lang="ru-RU" smtClean="0"/>
-              <a:t>25.04.2021</a:t>
+              <a:t>28.05.2021</a:t>
             </a:fld>
             <a:endParaRPr lang="ru-RU"/>
           </a:p>
@@ -1150,7 +1149,7 @@
           <a:p>
             <a:fld id="{7491FA95-C6E3-4933-B60E-47FD9BF6B283}" type="datetimeFigureOut">
               <a:rPr lang="ru-RU" smtClean="0"/>
-              <a:t>25.04.2021</a:t>
+              <a:t>28.05.2021</a:t>
             </a:fld>
             <a:endParaRPr lang="ru-RU"/>
           </a:p>
@@ -1555,7 +1554,7 @@
           <a:p>
             <a:fld id="{7491FA95-C6E3-4933-B60E-47FD9BF6B283}" type="datetimeFigureOut">
               <a:rPr lang="ru-RU" smtClean="0"/>
-              <a:t>25.04.2021</a:t>
+              <a:t>28.05.2021</a:t>
             </a:fld>
             <a:endParaRPr lang="ru-RU"/>
           </a:p>
@@ -2123,7 +2122,7 @@
           <a:p>
             <a:fld id="{7491FA95-C6E3-4933-B60E-47FD9BF6B283}" type="datetimeFigureOut">
               <a:rPr lang="ru-RU" smtClean="0"/>
-              <a:t>25.04.2021</a:t>
+              <a:t>28.05.2021</a:t>
             </a:fld>
             <a:endParaRPr lang="ru-RU"/>
           </a:p>
@@ -2804,7 +2803,7 @@
           <a:p>
             <a:fld id="{7491FA95-C6E3-4933-B60E-47FD9BF6B283}" type="datetimeFigureOut">
               <a:rPr lang="ru-RU" smtClean="0"/>
-              <a:t>25.04.2021</a:t>
+              <a:t>28.05.2021</a:t>
             </a:fld>
             <a:endParaRPr lang="ru-RU"/>
           </a:p>
@@ -3717,7 +3716,7 @@
           <a:p>
             <a:fld id="{7491FA95-C6E3-4933-B60E-47FD9BF6B283}" type="datetimeFigureOut">
               <a:rPr lang="ru-RU" smtClean="0"/>
-              <a:t>25.04.2021</a:t>
+              <a:t>28.05.2021</a:t>
             </a:fld>
             <a:endParaRPr lang="ru-RU"/>
           </a:p>
@@ -4030,7 +4029,7 @@
           <a:p>
             <a:fld id="{7491FA95-C6E3-4933-B60E-47FD9BF6B283}" type="datetimeFigureOut">
               <a:rPr lang="ru-RU" smtClean="0"/>
-              <a:t>25.04.2021</a:t>
+              <a:t>28.05.2021</a:t>
             </a:fld>
             <a:endParaRPr lang="ru-RU"/>
           </a:p>
@@ -4294,7 +4293,7 @@
           <a:p>
             <a:fld id="{7491FA95-C6E3-4933-B60E-47FD9BF6B283}" type="datetimeFigureOut">
               <a:rPr lang="ru-RU" smtClean="0"/>
-              <a:t>25.04.2021</a:t>
+              <a:t>28.05.2021</a:t>
             </a:fld>
             <a:endParaRPr lang="ru-RU"/>
           </a:p>
@@ -4617,7 +4616,7 @@
           <a:p>
             <a:fld id="{7491FA95-C6E3-4933-B60E-47FD9BF6B283}" type="datetimeFigureOut">
               <a:rPr lang="ru-RU" smtClean="0"/>
-              <a:t>25.04.2021</a:t>
+              <a:t>28.05.2021</a:t>
             </a:fld>
             <a:endParaRPr lang="ru-RU"/>
           </a:p>
@@ -5006,7 +5005,7 @@
           <a:p>
             <a:fld id="{7491FA95-C6E3-4933-B60E-47FD9BF6B283}" type="datetimeFigureOut">
               <a:rPr lang="ru-RU" smtClean="0"/>
-              <a:t>25.04.2021</a:t>
+              <a:t>28.05.2021</a:t>
             </a:fld>
             <a:endParaRPr lang="ru-RU"/>
           </a:p>
@@ -5382,7 +5381,7 @@
           <a:p>
             <a:fld id="{7491FA95-C6E3-4933-B60E-47FD9BF6B283}" type="datetimeFigureOut">
               <a:rPr lang="ru-RU" smtClean="0"/>
-              <a:t>25.04.2021</a:t>
+              <a:t>28.05.2021</a:t>
             </a:fld>
             <a:endParaRPr lang="ru-RU"/>
           </a:p>
@@ -5893,7 +5892,7 @@
           <a:p>
             <a:fld id="{7491FA95-C6E3-4933-B60E-47FD9BF6B283}" type="datetimeFigureOut">
               <a:rPr lang="ru-RU" smtClean="0"/>
-              <a:t>25.04.2021</a:t>
+              <a:t>28.05.2021</a:t>
             </a:fld>
             <a:endParaRPr lang="ru-RU"/>
           </a:p>
@@ -6155,7 +6154,7 @@
           <a:p>
             <a:fld id="{7491FA95-C6E3-4933-B60E-47FD9BF6B283}" type="datetimeFigureOut">
               <a:rPr lang="ru-RU" smtClean="0"/>
-              <a:t>25.04.2021</a:t>
+              <a:t>28.05.2021</a:t>
             </a:fld>
             <a:endParaRPr lang="ru-RU"/>
           </a:p>
@@ -6318,7 +6317,7 @@
           <a:p>
             <a:fld id="{7491FA95-C6E3-4933-B60E-47FD9BF6B283}" type="datetimeFigureOut">
               <a:rPr lang="ru-RU" smtClean="0"/>
-              <a:t>25.04.2021</a:t>
+              <a:t>28.05.2021</a:t>
             </a:fld>
             <a:endParaRPr lang="ru-RU"/>
           </a:p>
@@ -6708,7 +6707,7 @@
           <a:p>
             <a:fld id="{7491FA95-C6E3-4933-B60E-47FD9BF6B283}" type="datetimeFigureOut">
               <a:rPr lang="ru-RU" smtClean="0"/>
-              <a:t>25.04.2021</a:t>
+              <a:t>28.05.2021</a:t>
             </a:fld>
             <a:endParaRPr lang="ru-RU"/>
           </a:p>
@@ -7122,7 +7121,7 @@
           <a:p>
             <a:fld id="{7491FA95-C6E3-4933-B60E-47FD9BF6B283}" type="datetimeFigureOut">
               <a:rPr lang="ru-RU" smtClean="0"/>
-              <a:t>25.04.2021</a:t>
+              <a:t>28.05.2021</a:t>
             </a:fld>
             <a:endParaRPr lang="ru-RU"/>
           </a:p>
@@ -7366,7 +7365,7 @@
           <a:p>
             <a:fld id="{7491FA95-C6E3-4933-B60E-47FD9BF6B283}" type="datetimeFigureOut">
               <a:rPr lang="ru-RU" smtClean="0"/>
-              <a:t>25.04.2021</a:t>
+              <a:t>28.05.2021</a:t>
             </a:fld>
             <a:endParaRPr lang="ru-RU"/>
           </a:p>
@@ -7811,49 +7810,6 @@
           </a:p>
         </p:txBody>
       </p:sp>
-      <p:sp>
-        <p:nvSpPr>
-          <p:cNvPr id="3" name="Подзаголовок 2">
-            <a:extLst>
-              <a:ext uri="{FF2B5EF4-FFF2-40B4-BE49-F238E27FC236}">
-                <a16:creationId xmlns:a16="http://schemas.microsoft.com/office/drawing/2014/main" id="{AF621816-DF4C-4923-B6BC-E67E197169DA}"/>
-              </a:ext>
-            </a:extLst>
-          </p:cNvPr>
-          <p:cNvSpPr>
-            <a:spLocks noGrp="1"/>
-          </p:cNvSpPr>
-          <p:nvPr>
-            <p:ph type="subTitle" idx="1"/>
-          </p:nvPr>
-        </p:nvSpPr>
-        <p:spPr>
-          <a:xfrm>
-            <a:off x="855813" y="4310912"/>
-            <a:ext cx="8144134" cy="1117687"/>
-          </a:xfrm>
-        </p:spPr>
-        <p:txBody>
-          <a:bodyPr>
-            <a:normAutofit/>
-          </a:bodyPr>
-          <a:lstStyle/>
-          <a:p>
-            <a:r>
-              <a:rPr lang="ru-RU" sz="2400" dirty="0"/>
-              <a:t>Авторы</a:t>
-            </a:r>
-            <a:r>
-              <a:rPr lang="en-US" sz="2400" dirty="0"/>
-              <a:t>:</a:t>
-            </a:r>
-            <a:r>
-              <a:rPr lang="ru-RU" sz="2400" dirty="0"/>
-              <a:t> Аскаров Эмиль и Галлямов Камиль</a:t>
-            </a:r>
-          </a:p>
-        </p:txBody>
-      </p:sp>
     </p:spTree>
     <p:extLst>
       <p:ext uri="{BB962C8B-B14F-4D97-AF65-F5344CB8AC3E}">
@@ -7889,7 +7845,7 @@
           <p:cNvPr id="2" name="Заголовок 1">
             <a:extLst>
               <a:ext uri="{FF2B5EF4-FFF2-40B4-BE49-F238E27FC236}">
-                <a16:creationId xmlns:a16="http://schemas.microsoft.com/office/drawing/2014/main" id="{327F3C31-AB7D-428B-9E66-8355B1AC5A0C}"/>
+                <a16:creationId xmlns:a16="http://schemas.microsoft.com/office/drawing/2014/main" id="{06745FFC-111A-43DC-82BB-539F59697701}"/>
               </a:ext>
             </a:extLst>
           </p:cNvPr>
@@ -7906,22 +7862,18 @@
           <a:lstStyle/>
           <a:p>
             <a:r>
-              <a:rPr lang="ru-RU" sz="4000" b="1" dirty="0"/>
-              <a:t>Система</a:t>
-            </a:r>
-            <a:r>
-              <a:rPr lang="ru-RU" dirty="0"/>
-              <a:t> лайков и комментариев</a:t>
+              <a:rPr lang="ru-RU" b="1" dirty="0"/>
+              <a:t>Дополнительные таблицы БД</a:t>
             </a:r>
           </a:p>
         </p:txBody>
       </p:sp>
       <p:pic>
         <p:nvPicPr>
-          <p:cNvPr id="5" name="Рисунок 4">
+          <p:cNvPr id="7" name="Рисунок 6">
             <a:extLst>
               <a:ext uri="{FF2B5EF4-FFF2-40B4-BE49-F238E27FC236}">
-                <a16:creationId xmlns:a16="http://schemas.microsoft.com/office/drawing/2014/main" id="{E2BEEC0C-4E16-4F60-91DC-2168318694AA}"/>
+                <a16:creationId xmlns:a16="http://schemas.microsoft.com/office/drawing/2014/main" id="{B25909D4-5D70-46D2-B91F-2CE110FD33FE}"/>
               </a:ext>
             </a:extLst>
           </p:cNvPr>
@@ -7938,8 +7890,8 @@
         </p:blipFill>
         <p:spPr>
           <a:xfrm>
-            <a:off x="680321" y="2715774"/>
-            <a:ext cx="4879340" cy="3388998"/>
+            <a:off x="429625" y="2285267"/>
+            <a:ext cx="6048375" cy="1588383"/>
           </a:xfrm>
           <a:prstGeom prst="rect">
             <a:avLst/>
@@ -7948,10 +7900,10 @@
       </p:pic>
       <p:pic>
         <p:nvPicPr>
-          <p:cNvPr id="7" name="Рисунок 6">
+          <p:cNvPr id="9" name="Рисунок 8">
             <a:extLst>
               <a:ext uri="{FF2B5EF4-FFF2-40B4-BE49-F238E27FC236}">
-                <a16:creationId xmlns:a16="http://schemas.microsoft.com/office/drawing/2014/main" id="{1AC188B7-E672-40D2-9747-B5BF42CCDC59}"/>
+                <a16:creationId xmlns:a16="http://schemas.microsoft.com/office/drawing/2014/main" id="{3C40576F-5C6A-4D51-84FC-F395B38AE1CE}"/>
               </a:ext>
             </a:extLst>
           </p:cNvPr>
@@ -7968,20 +7920,50 @@
         </p:blipFill>
         <p:spPr>
           <a:xfrm>
-            <a:off x="5947589" y="2715774"/>
-            <a:ext cx="4879340" cy="3404477"/>
+            <a:off x="6679027" y="2285267"/>
+            <a:ext cx="5189123" cy="2100995"/>
           </a:xfrm>
           <a:prstGeom prst="rect">
             <a:avLst/>
           </a:prstGeom>
         </p:spPr>
       </p:pic>
-      <p:sp>
-        <p:nvSpPr>
-          <p:cNvPr id="8" name="TextBox 7">
+      <p:pic>
+        <p:nvPicPr>
+          <p:cNvPr id="11" name="Рисунок 10">
             <a:extLst>
               <a:ext uri="{FF2B5EF4-FFF2-40B4-BE49-F238E27FC236}">
-                <a16:creationId xmlns:a16="http://schemas.microsoft.com/office/drawing/2014/main" id="{1A39A8D1-7A9B-4692-A724-A05EA7E76390}"/>
+                <a16:creationId xmlns:a16="http://schemas.microsoft.com/office/drawing/2014/main" id="{F062A1F9-B061-4C41-BAF4-D86C3D97879B}"/>
+              </a:ext>
+            </a:extLst>
+          </p:cNvPr>
+          <p:cNvPicPr>
+            <a:picLocks noChangeAspect="1"/>
+          </p:cNvPicPr>
+          <p:nvPr/>
+        </p:nvPicPr>
+        <p:blipFill>
+          <a:blip r:embed="rId4"/>
+          <a:stretch>
+            <a:fillRect/>
+          </a:stretch>
+        </p:blipFill>
+        <p:spPr>
+          <a:xfrm>
+            <a:off x="429625" y="4589462"/>
+            <a:ext cx="5534025" cy="1971675"/>
+          </a:xfrm>
+          <a:prstGeom prst="rect">
+            <a:avLst/>
+          </a:prstGeom>
+        </p:spPr>
+      </p:pic>
+      <p:sp>
+        <p:nvSpPr>
+          <p:cNvPr id="12" name="TextBox 11">
+            <a:extLst>
+              <a:ext uri="{FF2B5EF4-FFF2-40B4-BE49-F238E27FC236}">
+                <a16:creationId xmlns:a16="http://schemas.microsoft.com/office/drawing/2014/main" id="{B3870D8D-E5A5-4461-A138-E67C730C0EF3}"/>
               </a:ext>
             </a:extLst>
           </p:cNvPr>
@@ -7990,8 +7972,8 @@
         </p:nvSpPr>
         <p:spPr>
           <a:xfrm>
-            <a:off x="1244053" y="2244389"/>
-            <a:ext cx="3976629" cy="461665"/>
+            <a:off x="429625" y="3868346"/>
+            <a:ext cx="4248727" cy="523220"/>
           </a:xfrm>
           <a:prstGeom prst="rect">
             <a:avLst/>
@@ -8005,26 +7987,18 @@
           <a:lstStyle/>
           <a:p>
             <a:r>
-              <a:rPr lang="ru-RU" sz="2400" b="1" dirty="0"/>
-              <a:t>Убрать </a:t>
-            </a:r>
-            <a:r>
-              <a:rPr lang="en-US" sz="2400" b="1" dirty="0"/>
-              <a:t>/</a:t>
-            </a:r>
-            <a:r>
-              <a:rPr lang="ru-RU" sz="2400" b="1" dirty="0"/>
-              <a:t> поставить лайк</a:t>
-            </a:r>
-          </a:p>
-        </p:txBody>
-      </p:sp>
-      <p:sp>
-        <p:nvSpPr>
-          <p:cNvPr id="9" name="TextBox 8">
+              <a:rPr lang="ru-RU" sz="2800" b="1" dirty="0"/>
+              <a:t>Категории</a:t>
+            </a:r>
+          </a:p>
+        </p:txBody>
+      </p:sp>
+      <p:sp>
+        <p:nvSpPr>
+          <p:cNvPr id="13" name="TextBox 12">
             <a:extLst>
               <a:ext uri="{FF2B5EF4-FFF2-40B4-BE49-F238E27FC236}">
-                <a16:creationId xmlns:a16="http://schemas.microsoft.com/office/drawing/2014/main" id="{F45D3B6C-6858-40F2-AEA8-AE76E289024F}"/>
+                <a16:creationId xmlns:a16="http://schemas.microsoft.com/office/drawing/2014/main" id="{6F9EE24E-9C0B-40BB-9E15-5E6D77EE8434}"/>
               </a:ext>
             </a:extLst>
           </p:cNvPr>
@@ -8033,8 +8007,8 @@
         </p:nvSpPr>
         <p:spPr>
           <a:xfrm>
-            <a:off x="6543587" y="2244390"/>
-            <a:ext cx="4283341" cy="461665"/>
+            <a:off x="10575638" y="4462284"/>
+            <a:ext cx="1416338" cy="523220"/>
           </a:xfrm>
           <a:prstGeom prst="rect">
             <a:avLst/>
@@ -8048,16 +8022,59 @@
           <a:lstStyle/>
           <a:p>
             <a:r>
+              <a:rPr lang="ru-RU" sz="2800" b="1" dirty="0"/>
+              <a:t>Посты</a:t>
+            </a:r>
+          </a:p>
+        </p:txBody>
+      </p:sp>
+      <p:sp>
+        <p:nvSpPr>
+          <p:cNvPr id="14" name="TextBox 13">
+            <a:extLst>
+              <a:ext uri="{FF2B5EF4-FFF2-40B4-BE49-F238E27FC236}">
+                <a16:creationId xmlns:a16="http://schemas.microsoft.com/office/drawing/2014/main" id="{72B62E00-2F4C-4C52-BC0C-51159A2B49B0}"/>
+              </a:ext>
+            </a:extLst>
+          </p:cNvPr>
+          <p:cNvSpPr txBox="1"/>
+          <p:nvPr/>
+        </p:nvSpPr>
+        <p:spPr>
+          <a:xfrm>
+            <a:off x="6096000" y="5730140"/>
+            <a:ext cx="4577927" cy="830997"/>
+          </a:xfrm>
+          <a:prstGeom prst="rect">
+            <a:avLst/>
+          </a:prstGeom>
+          <a:noFill/>
+        </p:spPr>
+        <p:txBody>
+          <a:bodyPr wrap="square" rtlCol="0">
+            <a:spAutoFit/>
+          </a:bodyPr>
+          <a:lstStyle/>
+          <a:p>
+            <a:r>
               <a:rPr lang="ru-RU" sz="2400" b="1" dirty="0"/>
-              <a:t>Подписаться </a:t>
+              <a:t>Связующая таблица </a:t>
             </a:r>
             <a:r>
               <a:rPr lang="en-US" sz="2400" b="1" dirty="0"/>
-              <a:t>/</a:t>
+              <a:t>(ID</a:t>
             </a:r>
             <a:r>
               <a:rPr lang="ru-RU" sz="2400" b="1" dirty="0"/>
-              <a:t> отписаться</a:t>
+              <a:t> поста – </a:t>
+            </a:r>
+            <a:r>
+              <a:rPr lang="en-US" sz="2400" b="1" dirty="0"/>
+              <a:t>ID </a:t>
+            </a:r>
+            <a:r>
+              <a:rPr lang="ru-RU" sz="2400" b="1" dirty="0"/>
+              <a:t>категории)</a:t>
             </a:r>
           </a:p>
         </p:txBody>
@@ -8065,7 +8082,7 @@
     </p:spTree>
     <p:extLst>
       <p:ext uri="{BB962C8B-B14F-4D97-AF65-F5344CB8AC3E}">
-        <p14:creationId xmlns:p14="http://schemas.microsoft.com/office/powerpoint/2010/main" val="3612269172"/>
+        <p14:creationId xmlns:p14="http://schemas.microsoft.com/office/powerpoint/2010/main" val="671987178"/>
       </p:ext>
     </p:extLst>
   </p:cSld>
@@ -8097,7 +8114,7 @@
           <p:cNvPr id="2" name="Заголовок 1">
             <a:extLst>
               <a:ext uri="{FF2B5EF4-FFF2-40B4-BE49-F238E27FC236}">
-                <a16:creationId xmlns:a16="http://schemas.microsoft.com/office/drawing/2014/main" id="{06745FFC-111A-43DC-82BB-539F59697701}"/>
+                <a16:creationId xmlns:a16="http://schemas.microsoft.com/office/drawing/2014/main" id="{98EBA101-FDCB-412A-95A9-539095F05B44}"/>
               </a:ext>
             </a:extLst>
           </p:cNvPr>
@@ -8108,24 +8125,29 @@
             <p:ph type="title"/>
           </p:nvPr>
         </p:nvSpPr>
-        <p:spPr/>
+        <p:spPr>
+          <a:xfrm>
+            <a:off x="138546" y="702892"/>
+            <a:ext cx="10437091" cy="1080938"/>
+          </a:xfrm>
+        </p:spPr>
         <p:txBody>
           <a:bodyPr/>
           <a:lstStyle/>
           <a:p>
             <a:r>
               <a:rPr lang="ru-RU" b="1" dirty="0"/>
-              <a:t>Дополнительные таблицы БД</a:t>
+              <a:t>Разделение результатов поиска на страницы</a:t>
             </a:r>
           </a:p>
         </p:txBody>
       </p:sp>
       <p:pic>
         <p:nvPicPr>
-          <p:cNvPr id="7" name="Рисунок 6">
+          <p:cNvPr id="9" name="Рисунок 8">
             <a:extLst>
               <a:ext uri="{FF2B5EF4-FFF2-40B4-BE49-F238E27FC236}">
-                <a16:creationId xmlns:a16="http://schemas.microsoft.com/office/drawing/2014/main" id="{B25909D4-5D70-46D2-B91F-2CE110FD33FE}"/>
+                <a16:creationId xmlns:a16="http://schemas.microsoft.com/office/drawing/2014/main" id="{7F1B7AF6-1F88-41C2-928B-141C305C6F56}"/>
               </a:ext>
             </a:extLst>
           </p:cNvPr>
@@ -8142,8 +8164,8 @@
         </p:blipFill>
         <p:spPr>
           <a:xfrm>
-            <a:off x="429625" y="2285267"/>
-            <a:ext cx="6048375" cy="1588383"/>
+            <a:off x="5791200" y="2425171"/>
+            <a:ext cx="5938981" cy="2524550"/>
           </a:xfrm>
           <a:prstGeom prst="rect">
             <a:avLst/>
@@ -8152,10 +8174,10 @@
       </p:pic>
       <p:pic>
         <p:nvPicPr>
-          <p:cNvPr id="9" name="Рисунок 8">
+          <p:cNvPr id="11" name="Рисунок 10">
             <a:extLst>
               <a:ext uri="{FF2B5EF4-FFF2-40B4-BE49-F238E27FC236}">
-                <a16:creationId xmlns:a16="http://schemas.microsoft.com/office/drawing/2014/main" id="{3C40576F-5C6A-4D51-84FC-F395B38AE1CE}"/>
+                <a16:creationId xmlns:a16="http://schemas.microsoft.com/office/drawing/2014/main" id="{DF1B00E0-9215-4CCB-ACA1-FCB82D42CFFB}"/>
               </a:ext>
             </a:extLst>
           </p:cNvPr>
@@ -8172,169 +8194,18 @@
         </p:blipFill>
         <p:spPr>
           <a:xfrm>
-            <a:off x="6679027" y="2285267"/>
-            <a:ext cx="5189123" cy="2100995"/>
+            <a:off x="625186" y="5238029"/>
+            <a:ext cx="10790463" cy="866743"/>
           </a:xfrm>
           <a:prstGeom prst="rect">
             <a:avLst/>
           </a:prstGeom>
         </p:spPr>
       </p:pic>
-      <p:pic>
-        <p:nvPicPr>
-          <p:cNvPr id="11" name="Рисунок 10">
-            <a:extLst>
-              <a:ext uri="{FF2B5EF4-FFF2-40B4-BE49-F238E27FC236}">
-                <a16:creationId xmlns:a16="http://schemas.microsoft.com/office/drawing/2014/main" id="{F062A1F9-B061-4C41-BAF4-D86C3D97879B}"/>
-              </a:ext>
-            </a:extLst>
-          </p:cNvPr>
-          <p:cNvPicPr>
-            <a:picLocks noChangeAspect="1"/>
-          </p:cNvPicPr>
-          <p:nvPr/>
-        </p:nvPicPr>
-        <p:blipFill>
-          <a:blip r:embed="rId4"/>
-          <a:stretch>
-            <a:fillRect/>
-          </a:stretch>
-        </p:blipFill>
-        <p:spPr>
-          <a:xfrm>
-            <a:off x="429625" y="4589462"/>
-            <a:ext cx="5534025" cy="1971675"/>
-          </a:xfrm>
-          <a:prstGeom prst="rect">
-            <a:avLst/>
-          </a:prstGeom>
-        </p:spPr>
-      </p:pic>
-      <p:sp>
-        <p:nvSpPr>
-          <p:cNvPr id="12" name="TextBox 11">
-            <a:extLst>
-              <a:ext uri="{FF2B5EF4-FFF2-40B4-BE49-F238E27FC236}">
-                <a16:creationId xmlns:a16="http://schemas.microsoft.com/office/drawing/2014/main" id="{B3870D8D-E5A5-4461-A138-E67C730C0EF3}"/>
-              </a:ext>
-            </a:extLst>
-          </p:cNvPr>
-          <p:cNvSpPr txBox="1"/>
-          <p:nvPr/>
-        </p:nvSpPr>
-        <p:spPr>
-          <a:xfrm>
-            <a:off x="429625" y="3868346"/>
-            <a:ext cx="4248727" cy="523220"/>
-          </a:xfrm>
-          <a:prstGeom prst="rect">
-            <a:avLst/>
-          </a:prstGeom>
-          <a:noFill/>
-        </p:spPr>
-        <p:txBody>
-          <a:bodyPr wrap="square" rtlCol="0">
-            <a:spAutoFit/>
-          </a:bodyPr>
-          <a:lstStyle/>
-          <a:p>
-            <a:r>
-              <a:rPr lang="ru-RU" sz="2800" b="1" dirty="0"/>
-              <a:t>Категории</a:t>
-            </a:r>
-          </a:p>
-        </p:txBody>
-      </p:sp>
-      <p:sp>
-        <p:nvSpPr>
-          <p:cNvPr id="13" name="TextBox 12">
-            <a:extLst>
-              <a:ext uri="{FF2B5EF4-FFF2-40B4-BE49-F238E27FC236}">
-                <a16:creationId xmlns:a16="http://schemas.microsoft.com/office/drawing/2014/main" id="{6F9EE24E-9C0B-40BB-9E15-5E6D77EE8434}"/>
-              </a:ext>
-            </a:extLst>
-          </p:cNvPr>
-          <p:cNvSpPr txBox="1"/>
-          <p:nvPr/>
-        </p:nvSpPr>
-        <p:spPr>
-          <a:xfrm>
-            <a:off x="10575638" y="4462284"/>
-            <a:ext cx="1416338" cy="523220"/>
-          </a:xfrm>
-          <a:prstGeom prst="rect">
-            <a:avLst/>
-          </a:prstGeom>
-          <a:noFill/>
-        </p:spPr>
-        <p:txBody>
-          <a:bodyPr wrap="square" rtlCol="0">
-            <a:spAutoFit/>
-          </a:bodyPr>
-          <a:lstStyle/>
-          <a:p>
-            <a:r>
-              <a:rPr lang="ru-RU" sz="2800" b="1" dirty="0"/>
-              <a:t>Посты</a:t>
-            </a:r>
-          </a:p>
-        </p:txBody>
-      </p:sp>
-      <p:sp>
-        <p:nvSpPr>
-          <p:cNvPr id="14" name="TextBox 13">
-            <a:extLst>
-              <a:ext uri="{FF2B5EF4-FFF2-40B4-BE49-F238E27FC236}">
-                <a16:creationId xmlns:a16="http://schemas.microsoft.com/office/drawing/2014/main" id="{72B62E00-2F4C-4C52-BC0C-51159A2B49B0}"/>
-              </a:ext>
-            </a:extLst>
-          </p:cNvPr>
-          <p:cNvSpPr txBox="1"/>
-          <p:nvPr/>
-        </p:nvSpPr>
-        <p:spPr>
-          <a:xfrm>
-            <a:off x="6096000" y="5730140"/>
-            <a:ext cx="4577927" cy="830997"/>
-          </a:xfrm>
-          <a:prstGeom prst="rect">
-            <a:avLst/>
-          </a:prstGeom>
-          <a:noFill/>
-        </p:spPr>
-        <p:txBody>
-          <a:bodyPr wrap="square" rtlCol="0">
-            <a:spAutoFit/>
-          </a:bodyPr>
-          <a:lstStyle/>
-          <a:p>
-            <a:r>
-              <a:rPr lang="ru-RU" sz="2400" b="1" dirty="0"/>
-              <a:t>Связующая таблица </a:t>
-            </a:r>
-            <a:r>
-              <a:rPr lang="en-US" sz="2400" b="1" dirty="0"/>
-              <a:t>(ID</a:t>
-            </a:r>
-            <a:r>
-              <a:rPr lang="ru-RU" sz="2400" b="1" dirty="0"/>
-              <a:t> поста – </a:t>
-            </a:r>
-            <a:r>
-              <a:rPr lang="en-US" sz="2400" b="1" dirty="0"/>
-              <a:t>ID </a:t>
-            </a:r>
-            <a:r>
-              <a:rPr lang="ru-RU" sz="2400" b="1" dirty="0"/>
-              <a:t>категории)</a:t>
-            </a:r>
-          </a:p>
-        </p:txBody>
-      </p:sp>
     </p:spTree>
     <p:extLst>
       <p:ext uri="{BB962C8B-B14F-4D97-AF65-F5344CB8AC3E}">
-        <p14:creationId xmlns:p14="http://schemas.microsoft.com/office/powerpoint/2010/main" val="671987178"/>
+        <p14:creationId xmlns:p14="http://schemas.microsoft.com/office/powerpoint/2010/main" val="4283294543"/>
       </p:ext>
     </p:extLst>
   </p:cSld>
@@ -8366,7 +8237,7 @@
           <p:cNvPr id="2" name="Заголовок 1">
             <a:extLst>
               <a:ext uri="{FF2B5EF4-FFF2-40B4-BE49-F238E27FC236}">
-                <a16:creationId xmlns:a16="http://schemas.microsoft.com/office/drawing/2014/main" id="{98EBA101-FDCB-412A-95A9-539095F05B44}"/>
+                <a16:creationId xmlns:a16="http://schemas.microsoft.com/office/drawing/2014/main" id="{4730B487-54C9-4D35-B04E-31A576B51ECD}"/>
               </a:ext>
             </a:extLst>
           </p:cNvPr>
@@ -8377,117 +8248,203 @@
             <p:ph type="title"/>
           </p:nvPr>
         </p:nvSpPr>
-        <p:spPr>
-          <a:xfrm>
-            <a:off x="138546" y="702892"/>
-            <a:ext cx="10437091" cy="1080938"/>
-          </a:xfrm>
-        </p:spPr>
-        <p:txBody>
-          <a:bodyPr/>
+        <p:spPr/>
+        <p:txBody>
+          <a:bodyPr>
+            <a:normAutofit/>
+          </a:bodyPr>
           <a:lstStyle/>
           <a:p>
             <a:r>
-              <a:rPr lang="ru-RU" b="1" dirty="0"/>
-              <a:t>Разделение результатов поиска на страницы</a:t>
-            </a:r>
-          </a:p>
-        </p:txBody>
-      </p:sp>
-      <p:pic>
-        <p:nvPicPr>
-          <p:cNvPr id="5" name="Рисунок 4">
+              <a:rPr lang="ru-RU" sz="4400" b="1" dirty="0"/>
+              <a:t>Другие особенности</a:t>
+            </a:r>
+          </a:p>
+        </p:txBody>
+      </p:sp>
+      <p:sp>
+        <p:nvSpPr>
+          <p:cNvPr id="3" name="Объект 2">
             <a:extLst>
               <a:ext uri="{FF2B5EF4-FFF2-40B4-BE49-F238E27FC236}">
-                <a16:creationId xmlns:a16="http://schemas.microsoft.com/office/drawing/2014/main" id="{0D3C696D-5E08-43EB-BBE5-9441029ADFC2}"/>
+                <a16:creationId xmlns:a16="http://schemas.microsoft.com/office/drawing/2014/main" id="{626FE835-1C8A-4204-BBAF-6D36433FABF0}"/>
               </a:ext>
             </a:extLst>
           </p:cNvPr>
-          <p:cNvPicPr>
-            <a:picLocks noChangeAspect="1"/>
-          </p:cNvPicPr>
-          <p:nvPr/>
-        </p:nvPicPr>
-        <p:blipFill>
-          <a:blip r:embed="rId2"/>
-          <a:stretch>
-            <a:fillRect/>
-          </a:stretch>
-        </p:blipFill>
-        <p:spPr>
-          <a:xfrm>
-            <a:off x="461819" y="2425171"/>
-            <a:ext cx="5293413" cy="2526604"/>
-          </a:xfrm>
-          <a:prstGeom prst="rect">
-            <a:avLst/>
-          </a:prstGeom>
-        </p:spPr>
-      </p:pic>
-      <p:pic>
-        <p:nvPicPr>
-          <p:cNvPr id="9" name="Рисунок 8">
-            <a:extLst>
-              <a:ext uri="{FF2B5EF4-FFF2-40B4-BE49-F238E27FC236}">
-                <a16:creationId xmlns:a16="http://schemas.microsoft.com/office/drawing/2014/main" id="{7F1B7AF6-1F88-41C2-928B-141C305C6F56}"/>
-              </a:ext>
-            </a:extLst>
-          </p:cNvPr>
-          <p:cNvPicPr>
-            <a:picLocks noChangeAspect="1"/>
-          </p:cNvPicPr>
-          <p:nvPr/>
-        </p:nvPicPr>
-        <p:blipFill>
-          <a:blip r:embed="rId3"/>
-          <a:stretch>
-            <a:fillRect/>
-          </a:stretch>
-        </p:blipFill>
-        <p:spPr>
-          <a:xfrm>
-            <a:off x="5791200" y="2425171"/>
-            <a:ext cx="5938981" cy="2524550"/>
-          </a:xfrm>
-          <a:prstGeom prst="rect">
-            <a:avLst/>
-          </a:prstGeom>
-        </p:spPr>
-      </p:pic>
-      <p:pic>
-        <p:nvPicPr>
-          <p:cNvPr id="11" name="Рисунок 10">
-            <a:extLst>
-              <a:ext uri="{FF2B5EF4-FFF2-40B4-BE49-F238E27FC236}">
-                <a16:creationId xmlns:a16="http://schemas.microsoft.com/office/drawing/2014/main" id="{DF1B00E0-9215-4CCB-ACA1-FCB82D42CFFB}"/>
-              </a:ext>
-            </a:extLst>
-          </p:cNvPr>
-          <p:cNvPicPr>
-            <a:picLocks noChangeAspect="1"/>
-          </p:cNvPicPr>
-          <p:nvPr/>
-        </p:nvPicPr>
-        <p:blipFill>
-          <a:blip r:embed="rId4"/>
-          <a:stretch>
-            <a:fillRect/>
-          </a:stretch>
-        </p:blipFill>
-        <p:spPr>
-          <a:xfrm>
-            <a:off x="625186" y="5238029"/>
-            <a:ext cx="10790463" cy="866743"/>
-          </a:xfrm>
-          <a:prstGeom prst="rect">
-            <a:avLst/>
-          </a:prstGeom>
-        </p:spPr>
-      </p:pic>
+          <p:cNvSpPr>
+            <a:spLocks noGrp="1"/>
+          </p:cNvSpPr>
+          <p:nvPr>
+            <p:ph idx="1"/>
+          </p:nvPr>
+        </p:nvSpPr>
+        <p:spPr>
+          <a:xfrm>
+            <a:off x="862015" y="2272217"/>
+            <a:ext cx="10467970" cy="3832555"/>
+          </a:xfrm>
+        </p:spPr>
+        <p:txBody>
+          <a:bodyPr>
+            <a:normAutofit fontScale="92500" lnSpcReduction="10000"/>
+          </a:bodyPr>
+          <a:lstStyle/>
+          <a:p>
+            <a:pPr marL="342900" lvl="0" indent="-342900">
+              <a:lnSpc>
+                <a:spcPct val="107000"/>
+              </a:lnSpc>
+              <a:buFont typeface="Symbol" panose="05050102010706020507" pitchFamily="18" charset="2"/>
+              <a:buChar char=""/>
+            </a:pPr>
+            <a:r>
+              <a:rPr lang="ru-RU" sz="2800" b="1" dirty="0">
+                <a:effectLst/>
+                <a:latin typeface="Calibri" panose="020F0502020204030204" pitchFamily="34" charset="0"/>
+                <a:ea typeface="Calibri" panose="020F0502020204030204" pitchFamily="34" charset="0"/>
+                <a:cs typeface="Times New Roman" panose="02020603050405020304" pitchFamily="18" charset="0"/>
+              </a:rPr>
+              <a:t>Анонимные посты</a:t>
+            </a:r>
+          </a:p>
+          <a:p>
+            <a:pPr marL="342900" lvl="0" indent="-342900">
+              <a:lnSpc>
+                <a:spcPct val="107000"/>
+              </a:lnSpc>
+              <a:buFont typeface="Symbol" panose="05050102010706020507" pitchFamily="18" charset="2"/>
+              <a:buChar char=""/>
+            </a:pPr>
+            <a:r>
+              <a:rPr lang="ru-RU" sz="2800" b="1" dirty="0">
+                <a:effectLst/>
+                <a:latin typeface="Calibri" panose="020F0502020204030204" pitchFamily="34" charset="0"/>
+                <a:ea typeface="Calibri" panose="020F0502020204030204" pitchFamily="34" charset="0"/>
+                <a:cs typeface="Times New Roman" panose="02020603050405020304" pitchFamily="18" charset="0"/>
+              </a:rPr>
+              <a:t>Система регистрации и авторизации</a:t>
+            </a:r>
+          </a:p>
+          <a:p>
+            <a:pPr marL="342900" lvl="0" indent="-342900">
+              <a:lnSpc>
+                <a:spcPct val="107000"/>
+              </a:lnSpc>
+              <a:buFont typeface="Symbol" panose="05050102010706020507" pitchFamily="18" charset="2"/>
+              <a:buChar char=""/>
+            </a:pPr>
+            <a:r>
+              <a:rPr lang="ru-RU" sz="2800" b="1" dirty="0">
+                <a:effectLst/>
+                <a:latin typeface="Calibri" panose="020F0502020204030204" pitchFamily="34" charset="0"/>
+                <a:ea typeface="Calibri" panose="020F0502020204030204" pitchFamily="34" charset="0"/>
+                <a:cs typeface="Times New Roman" panose="02020603050405020304" pitchFamily="18" charset="0"/>
+              </a:rPr>
+              <a:t>Система лайков и подписок</a:t>
+            </a:r>
+          </a:p>
+          <a:p>
+            <a:pPr marL="342900" lvl="0" indent="-342900">
+              <a:lnSpc>
+                <a:spcPct val="107000"/>
+              </a:lnSpc>
+              <a:buFont typeface="Symbol" panose="05050102010706020507" pitchFamily="18" charset="2"/>
+              <a:buChar char=""/>
+            </a:pPr>
+            <a:r>
+              <a:rPr lang="ru-RU" sz="2800" b="1" dirty="0">
+                <a:effectLst/>
+                <a:latin typeface="Calibri" panose="020F0502020204030204" pitchFamily="34" charset="0"/>
+                <a:ea typeface="Calibri" panose="020F0502020204030204" pitchFamily="34" charset="0"/>
+                <a:cs typeface="Times New Roman" panose="02020603050405020304" pitchFamily="18" charset="0"/>
+              </a:rPr>
+              <a:t>Отображение контента в виде сетки</a:t>
+            </a:r>
+          </a:p>
+          <a:p>
+            <a:pPr marL="342900" lvl="0" indent="-342900">
+              <a:lnSpc>
+                <a:spcPct val="107000"/>
+              </a:lnSpc>
+              <a:buFont typeface="Symbol" panose="05050102010706020507" pitchFamily="18" charset="2"/>
+              <a:buChar char=""/>
+            </a:pPr>
+            <a:r>
+              <a:rPr lang="ru-RU" sz="2800" b="1" dirty="0">
+                <a:effectLst/>
+                <a:latin typeface="Calibri" panose="020F0502020204030204" pitchFamily="34" charset="0"/>
+                <a:ea typeface="Calibri" panose="020F0502020204030204" pitchFamily="34" charset="0"/>
+                <a:cs typeface="Times New Roman" panose="02020603050405020304" pitchFamily="18" charset="0"/>
+              </a:rPr>
+              <a:t>Изображения хранятся в БД в виде пути к файлу</a:t>
+            </a:r>
+          </a:p>
+          <a:p>
+            <a:pPr marL="342900" lvl="0" indent="-342900">
+              <a:lnSpc>
+                <a:spcPct val="107000"/>
+              </a:lnSpc>
+              <a:buFont typeface="Symbol" panose="05050102010706020507" pitchFamily="18" charset="2"/>
+              <a:buChar char=""/>
+            </a:pPr>
+            <a:r>
+              <a:rPr lang="ru-RU" sz="2800" b="1" dirty="0">
+                <a:effectLst/>
+                <a:latin typeface="Calibri" panose="020F0502020204030204" pitchFamily="34" charset="0"/>
+                <a:ea typeface="Calibri" panose="020F0502020204030204" pitchFamily="34" charset="0"/>
+                <a:cs typeface="Times New Roman" panose="02020603050405020304" pitchFamily="18" charset="0"/>
+              </a:rPr>
+              <a:t>Собственный </a:t>
+            </a:r>
+            <a:r>
+              <a:rPr lang="en-US" sz="2800" b="1" dirty="0">
+                <a:effectLst/>
+                <a:latin typeface="Calibri" panose="020F0502020204030204" pitchFamily="34" charset="0"/>
+                <a:ea typeface="Calibri" panose="020F0502020204030204" pitchFamily="34" charset="0"/>
+                <a:cs typeface="Times New Roman" panose="02020603050405020304" pitchFamily="18" charset="0"/>
+              </a:rPr>
+              <a:t>API </a:t>
+            </a:r>
+            <a:r>
+              <a:rPr lang="ru-RU" sz="2800" b="1" dirty="0">
+                <a:effectLst/>
+                <a:latin typeface="Calibri" panose="020F0502020204030204" pitchFamily="34" charset="0"/>
+                <a:ea typeface="Calibri" panose="020F0502020204030204" pitchFamily="34" charset="0"/>
+                <a:cs typeface="Times New Roman" panose="02020603050405020304" pitchFamily="18" charset="0"/>
+              </a:rPr>
+              <a:t>сайта</a:t>
+            </a:r>
+          </a:p>
+          <a:p>
+            <a:pPr marL="342900" lvl="0" indent="-342900">
+              <a:lnSpc>
+                <a:spcPct val="107000"/>
+              </a:lnSpc>
+              <a:spcAft>
+                <a:spcPts val="800"/>
+              </a:spcAft>
+              <a:buFont typeface="Symbol" panose="05050102010706020507" pitchFamily="18" charset="2"/>
+              <a:buChar char=""/>
+            </a:pPr>
+            <a:r>
+              <a:rPr lang="ru-RU" sz="2800" b="1" dirty="0">
+                <a:effectLst/>
+                <a:latin typeface="Calibri" panose="020F0502020204030204" pitchFamily="34" charset="0"/>
+                <a:ea typeface="Calibri" panose="020F0502020204030204" pitchFamily="34" charset="0"/>
+                <a:cs typeface="Times New Roman" panose="02020603050405020304" pitchFamily="18" charset="0"/>
+              </a:rPr>
+              <a:t>Множественный выбор категории поста</a:t>
+            </a:r>
+          </a:p>
+          <a:p>
+            <a:endParaRPr lang="ru-RU" sz="3600" dirty="0"/>
+          </a:p>
+        </p:txBody>
+      </p:sp>
     </p:spTree>
     <p:extLst>
       <p:ext uri="{BB962C8B-B14F-4D97-AF65-F5344CB8AC3E}">
-        <p14:creationId xmlns:p14="http://schemas.microsoft.com/office/powerpoint/2010/main" val="4283294543"/>
+        <p14:creationId xmlns:p14="http://schemas.microsoft.com/office/powerpoint/2010/main" val="3498263491"/>
       </p:ext>
     </p:extLst>
   </p:cSld>
@@ -8519,245 +8476,6 @@
           <p:cNvPr id="2" name="Заголовок 1">
             <a:extLst>
               <a:ext uri="{FF2B5EF4-FFF2-40B4-BE49-F238E27FC236}">
-                <a16:creationId xmlns:a16="http://schemas.microsoft.com/office/drawing/2014/main" id="{4730B487-54C9-4D35-B04E-31A576B51ECD}"/>
-              </a:ext>
-            </a:extLst>
-          </p:cNvPr>
-          <p:cNvSpPr>
-            <a:spLocks noGrp="1"/>
-          </p:cNvSpPr>
-          <p:nvPr>
-            <p:ph type="title"/>
-          </p:nvPr>
-        </p:nvSpPr>
-        <p:spPr/>
-        <p:txBody>
-          <a:bodyPr>
-            <a:normAutofit/>
-          </a:bodyPr>
-          <a:lstStyle/>
-          <a:p>
-            <a:r>
-              <a:rPr lang="ru-RU" sz="4400" b="1" dirty="0"/>
-              <a:t>Другие особенности</a:t>
-            </a:r>
-          </a:p>
-        </p:txBody>
-      </p:sp>
-      <p:sp>
-        <p:nvSpPr>
-          <p:cNvPr id="3" name="Объект 2">
-            <a:extLst>
-              <a:ext uri="{FF2B5EF4-FFF2-40B4-BE49-F238E27FC236}">
-                <a16:creationId xmlns:a16="http://schemas.microsoft.com/office/drawing/2014/main" id="{626FE835-1C8A-4204-BBAF-6D36433FABF0}"/>
-              </a:ext>
-            </a:extLst>
-          </p:cNvPr>
-          <p:cNvSpPr>
-            <a:spLocks noGrp="1"/>
-          </p:cNvSpPr>
-          <p:nvPr>
-            <p:ph idx="1"/>
-          </p:nvPr>
-        </p:nvSpPr>
-        <p:spPr>
-          <a:xfrm>
-            <a:off x="862015" y="2272217"/>
-            <a:ext cx="10467970" cy="3832555"/>
-          </a:xfrm>
-        </p:spPr>
-        <p:txBody>
-          <a:bodyPr>
-            <a:normAutofit fontScale="92500" lnSpcReduction="10000"/>
-          </a:bodyPr>
-          <a:lstStyle/>
-          <a:p>
-            <a:pPr marL="342900" lvl="0" indent="-342900">
-              <a:lnSpc>
-                <a:spcPct val="107000"/>
-              </a:lnSpc>
-              <a:buFont typeface="Symbol" panose="05050102010706020507" pitchFamily="18" charset="2"/>
-              <a:buChar char=""/>
-            </a:pPr>
-            <a:r>
-              <a:rPr lang="ru-RU" sz="2800" b="1" dirty="0">
-                <a:effectLst/>
-                <a:latin typeface="Calibri" panose="020F0502020204030204" pitchFamily="34" charset="0"/>
-                <a:ea typeface="Calibri" panose="020F0502020204030204" pitchFamily="34" charset="0"/>
-                <a:cs typeface="Times New Roman" panose="02020603050405020304" pitchFamily="18" charset="0"/>
-              </a:rPr>
-              <a:t>Анонимные посты</a:t>
-            </a:r>
-          </a:p>
-          <a:p>
-            <a:pPr marL="342900" lvl="0" indent="-342900">
-              <a:lnSpc>
-                <a:spcPct val="107000"/>
-              </a:lnSpc>
-              <a:buFont typeface="Symbol" panose="05050102010706020507" pitchFamily="18" charset="2"/>
-              <a:buChar char=""/>
-            </a:pPr>
-            <a:r>
-              <a:rPr lang="ru-RU" sz="2800" b="1" dirty="0">
-                <a:effectLst/>
-                <a:latin typeface="Calibri" panose="020F0502020204030204" pitchFamily="34" charset="0"/>
-                <a:ea typeface="Calibri" panose="020F0502020204030204" pitchFamily="34" charset="0"/>
-                <a:cs typeface="Times New Roman" panose="02020603050405020304" pitchFamily="18" charset="0"/>
-              </a:rPr>
-              <a:t>Система регистрации и авторизации</a:t>
-            </a:r>
-          </a:p>
-          <a:p>
-            <a:pPr marL="342900" lvl="0" indent="-342900">
-              <a:lnSpc>
-                <a:spcPct val="107000"/>
-              </a:lnSpc>
-              <a:buFont typeface="Symbol" panose="05050102010706020507" pitchFamily="18" charset="2"/>
-              <a:buChar char=""/>
-            </a:pPr>
-            <a:r>
-              <a:rPr lang="ru-RU" sz="2800" b="1" dirty="0">
-                <a:effectLst/>
-                <a:latin typeface="Calibri" panose="020F0502020204030204" pitchFamily="34" charset="0"/>
-                <a:ea typeface="Calibri" panose="020F0502020204030204" pitchFamily="34" charset="0"/>
-                <a:cs typeface="Times New Roman" panose="02020603050405020304" pitchFamily="18" charset="0"/>
-              </a:rPr>
-              <a:t>Система лайков и подписок</a:t>
-            </a:r>
-          </a:p>
-          <a:p>
-            <a:pPr marL="342900" lvl="0" indent="-342900">
-              <a:lnSpc>
-                <a:spcPct val="107000"/>
-              </a:lnSpc>
-              <a:buFont typeface="Symbol" panose="05050102010706020507" pitchFamily="18" charset="2"/>
-              <a:buChar char=""/>
-            </a:pPr>
-            <a:r>
-              <a:rPr lang="ru-RU" sz="2800" b="1" dirty="0">
-                <a:effectLst/>
-                <a:latin typeface="Calibri" panose="020F0502020204030204" pitchFamily="34" charset="0"/>
-                <a:ea typeface="Calibri" panose="020F0502020204030204" pitchFamily="34" charset="0"/>
-                <a:cs typeface="Times New Roman" panose="02020603050405020304" pitchFamily="18" charset="0"/>
-              </a:rPr>
-              <a:t>Отображение контента в виде сетки</a:t>
-            </a:r>
-          </a:p>
-          <a:p>
-            <a:pPr marL="342900" lvl="0" indent="-342900">
-              <a:lnSpc>
-                <a:spcPct val="107000"/>
-              </a:lnSpc>
-              <a:buFont typeface="Symbol" panose="05050102010706020507" pitchFamily="18" charset="2"/>
-              <a:buChar char=""/>
-            </a:pPr>
-            <a:r>
-              <a:rPr lang="ru-RU" sz="2800" b="1" dirty="0">
-                <a:effectLst/>
-                <a:latin typeface="Calibri" panose="020F0502020204030204" pitchFamily="34" charset="0"/>
-                <a:ea typeface="Calibri" panose="020F0502020204030204" pitchFamily="34" charset="0"/>
-                <a:cs typeface="Times New Roman" panose="02020603050405020304" pitchFamily="18" charset="0"/>
-              </a:rPr>
-              <a:t>Изображения хранятся в БД в виде пути к файлу</a:t>
-            </a:r>
-          </a:p>
-          <a:p>
-            <a:pPr marL="342900" lvl="0" indent="-342900">
-              <a:lnSpc>
-                <a:spcPct val="107000"/>
-              </a:lnSpc>
-              <a:buFont typeface="Symbol" panose="05050102010706020507" pitchFamily="18" charset="2"/>
-              <a:buChar char=""/>
-            </a:pPr>
-            <a:r>
-              <a:rPr lang="ru-RU" sz="2800" b="1" dirty="0">
-                <a:effectLst/>
-                <a:latin typeface="Calibri" panose="020F0502020204030204" pitchFamily="34" charset="0"/>
-                <a:ea typeface="Calibri" panose="020F0502020204030204" pitchFamily="34" charset="0"/>
-                <a:cs typeface="Times New Roman" panose="02020603050405020304" pitchFamily="18" charset="0"/>
-              </a:rPr>
-              <a:t>Собственный </a:t>
-            </a:r>
-            <a:r>
-              <a:rPr lang="en-US" sz="2800" b="1" dirty="0">
-                <a:effectLst/>
-                <a:latin typeface="Calibri" panose="020F0502020204030204" pitchFamily="34" charset="0"/>
-                <a:ea typeface="Calibri" panose="020F0502020204030204" pitchFamily="34" charset="0"/>
-                <a:cs typeface="Times New Roman" panose="02020603050405020304" pitchFamily="18" charset="0"/>
-              </a:rPr>
-              <a:t>API </a:t>
-            </a:r>
-            <a:r>
-              <a:rPr lang="ru-RU" sz="2800" b="1" dirty="0">
-                <a:effectLst/>
-                <a:latin typeface="Calibri" panose="020F0502020204030204" pitchFamily="34" charset="0"/>
-                <a:ea typeface="Calibri" panose="020F0502020204030204" pitchFamily="34" charset="0"/>
-                <a:cs typeface="Times New Roman" panose="02020603050405020304" pitchFamily="18" charset="0"/>
-              </a:rPr>
-              <a:t>сайта</a:t>
-            </a:r>
-          </a:p>
-          <a:p>
-            <a:pPr marL="342900" lvl="0" indent="-342900">
-              <a:lnSpc>
-                <a:spcPct val="107000"/>
-              </a:lnSpc>
-              <a:spcAft>
-                <a:spcPts val="800"/>
-              </a:spcAft>
-              <a:buFont typeface="Symbol" panose="05050102010706020507" pitchFamily="18" charset="2"/>
-              <a:buChar char=""/>
-            </a:pPr>
-            <a:r>
-              <a:rPr lang="ru-RU" sz="2800" b="1" dirty="0">
-                <a:effectLst/>
-                <a:latin typeface="Calibri" panose="020F0502020204030204" pitchFamily="34" charset="0"/>
-                <a:ea typeface="Calibri" panose="020F0502020204030204" pitchFamily="34" charset="0"/>
-                <a:cs typeface="Times New Roman" panose="02020603050405020304" pitchFamily="18" charset="0"/>
-              </a:rPr>
-              <a:t>Множественный выбор категории поста</a:t>
-            </a:r>
-          </a:p>
-          <a:p>
-            <a:endParaRPr lang="ru-RU" sz="3600" dirty="0"/>
-          </a:p>
-        </p:txBody>
-      </p:sp>
-    </p:spTree>
-    <p:extLst>
-      <p:ext uri="{BB962C8B-B14F-4D97-AF65-F5344CB8AC3E}">
-        <p14:creationId xmlns:p14="http://schemas.microsoft.com/office/powerpoint/2010/main" val="3498263491"/>
-      </p:ext>
-    </p:extLst>
-  </p:cSld>
-  <p:clrMapOvr>
-    <a:masterClrMapping/>
-  </p:clrMapOvr>
-</p:sld>
-</file>
-
-<file path=ppt/slides/slide14.xml><?xml version="1.0" encoding="utf-8"?>
-<p:sld xmlns:a="http://schemas.openxmlformats.org/drawingml/2006/main" xmlns:r="http://schemas.openxmlformats.org/officeDocument/2006/relationships" xmlns:p="http://schemas.openxmlformats.org/presentationml/2006/main">
-  <p:cSld>
-    <p:spTree>
-      <p:nvGrpSpPr>
-        <p:cNvPr id="1" name=""/>
-        <p:cNvGrpSpPr/>
-        <p:nvPr/>
-      </p:nvGrpSpPr>
-      <p:grpSpPr>
-        <a:xfrm>
-          <a:off x="0" y="0"/>
-          <a:ext cx="0" cy="0"/>
-          <a:chOff x="0" y="0"/>
-          <a:chExt cx="0" cy="0"/>
-        </a:xfrm>
-      </p:grpSpPr>
-      <p:sp>
-        <p:nvSpPr>
-          <p:cNvPr id="2" name="Заголовок 1">
-            <a:extLst>
-              <a:ext uri="{FF2B5EF4-FFF2-40B4-BE49-F238E27FC236}">
                 <a16:creationId xmlns:a16="http://schemas.microsoft.com/office/drawing/2014/main" id="{1951A243-A22F-4055-8A05-0BAB81F21911}"/>
               </a:ext>
             </a:extLst>
@@ -9248,7 +8966,7 @@
 </p:sld>
 </file>
 
-<file path=ppt/slides/slide15.xml><?xml version="1.0" encoding="utf-8"?>
+<file path=ppt/slides/slide14.xml><?xml version="1.0" encoding="utf-8"?>
 <p:sld xmlns:a="http://schemas.openxmlformats.org/drawingml/2006/main" xmlns:r="http://schemas.openxmlformats.org/officeDocument/2006/relationships" xmlns:p="http://schemas.openxmlformats.org/presentationml/2006/main">
   <p:cSld>
     <p:spTree>
@@ -10143,7 +9861,7 @@
           <p:cNvPr id="2" name="Заголовок 1">
             <a:extLst>
               <a:ext uri="{FF2B5EF4-FFF2-40B4-BE49-F238E27FC236}">
-                <a16:creationId xmlns:a16="http://schemas.microsoft.com/office/drawing/2014/main" id="{E8A6351A-9DB2-46AC-970A-6E092DE2134A}"/>
+                <a16:creationId xmlns:a16="http://schemas.microsoft.com/office/drawing/2014/main" id="{D527F4BD-27E6-4CAD-8829-FB5CAAB0073E}"/>
               </a:ext>
             </a:extLst>
           </p:cNvPr>
@@ -10157,13 +9875,13 @@
         <p:spPr/>
         <p:txBody>
           <a:bodyPr>
-            <a:normAutofit/>
+            <a:normAutofit fontScale="90000"/>
           </a:bodyPr>
           <a:lstStyle/>
           <a:p>
             <a:r>
               <a:rPr lang="ru-RU" sz="4000" b="1" dirty="0"/>
-              <a:t>Поиск пользователей и профиль</a:t>
+              <a:t>Особенности (система комментариев)</a:t>
             </a:r>
           </a:p>
         </p:txBody>
@@ -10173,7 +9891,7 @@
           <p:cNvPr id="5" name="Рисунок 4">
             <a:extLst>
               <a:ext uri="{FF2B5EF4-FFF2-40B4-BE49-F238E27FC236}">
-                <a16:creationId xmlns:a16="http://schemas.microsoft.com/office/drawing/2014/main" id="{7A3D798D-7D45-40D8-AB84-FEADDCB89353}"/>
+                <a16:creationId xmlns:a16="http://schemas.microsoft.com/office/drawing/2014/main" id="{760B2AD6-1DED-47AE-832A-921BB1CE8C99}"/>
               </a:ext>
             </a:extLst>
           </p:cNvPr>
@@ -10183,45 +9901,21 @@
           <p:nvPr/>
         </p:nvPicPr>
         <p:blipFill>
-          <a:blip r:embed="rId2"/>
+          <a:blip r:embed="rId2">
+            <a:extLst>
+              <a:ext uri="{28A0092B-C50C-407E-A947-70E740481C1C}">
+                <a14:useLocalDpi xmlns:a14="http://schemas.microsoft.com/office/drawing/2010/main" val="0"/>
+              </a:ext>
+            </a:extLst>
+          </a:blip>
           <a:stretch>
             <a:fillRect/>
           </a:stretch>
         </p:blipFill>
         <p:spPr>
           <a:xfrm>
-            <a:off x="325312" y="2549219"/>
-            <a:ext cx="6105179" cy="3259118"/>
-          </a:xfrm>
-          <a:prstGeom prst="rect">
-            <a:avLst/>
-          </a:prstGeom>
-        </p:spPr>
-      </p:pic>
-      <p:pic>
-        <p:nvPicPr>
-          <p:cNvPr id="7" name="Рисунок 6">
-            <a:extLst>
-              <a:ext uri="{FF2B5EF4-FFF2-40B4-BE49-F238E27FC236}">
-                <a16:creationId xmlns:a16="http://schemas.microsoft.com/office/drawing/2014/main" id="{8BA65017-3A5D-41D2-AC56-5A3A477E9A02}"/>
-              </a:ext>
-            </a:extLst>
-          </p:cNvPr>
-          <p:cNvPicPr>
-            <a:picLocks noChangeAspect="1"/>
-          </p:cNvPicPr>
-          <p:nvPr/>
-        </p:nvPicPr>
-        <p:blipFill>
-          <a:blip r:embed="rId3"/>
-          <a:stretch>
-            <a:fillRect/>
-          </a:stretch>
-        </p:blipFill>
-        <p:spPr>
-          <a:xfrm>
-            <a:off x="6668654" y="2392218"/>
-            <a:ext cx="4899597" cy="3416119"/>
+            <a:off x="2571865" y="2280050"/>
+            <a:ext cx="7048269" cy="4031849"/>
           </a:xfrm>
           <a:prstGeom prst="rect">
             <a:avLst/>
@@ -10231,7 +9925,7 @@
     </p:spTree>
     <p:extLst>
       <p:ext uri="{BB962C8B-B14F-4D97-AF65-F5344CB8AC3E}">
-        <p14:creationId xmlns:p14="http://schemas.microsoft.com/office/powerpoint/2010/main" val="2366721620"/>
+        <p14:creationId xmlns:p14="http://schemas.microsoft.com/office/powerpoint/2010/main" val="3089965097"/>
       </p:ext>
     </p:extLst>
   </p:cSld>
@@ -10263,7 +9957,7 @@
           <p:cNvPr id="2" name="Заголовок 1">
             <a:extLst>
               <a:ext uri="{FF2B5EF4-FFF2-40B4-BE49-F238E27FC236}">
-                <a16:creationId xmlns:a16="http://schemas.microsoft.com/office/drawing/2014/main" id="{D527F4BD-27E6-4CAD-8829-FB5CAAB0073E}"/>
+                <a16:creationId xmlns:a16="http://schemas.microsoft.com/office/drawing/2014/main" id="{327F3C31-AB7D-428B-9E66-8355B1AC5A0C}"/>
               </a:ext>
             </a:extLst>
           </p:cNvPr>
@@ -10276,14 +9970,16 @@
         </p:nvSpPr>
         <p:spPr/>
         <p:txBody>
-          <a:bodyPr>
-            <a:normAutofit fontScale="90000"/>
-          </a:bodyPr>
+          <a:bodyPr/>
           <a:lstStyle/>
           <a:p>
             <a:r>
               <a:rPr lang="ru-RU" sz="4000" b="1" dirty="0"/>
-              <a:t>Особенности (система комментариев)</a:t>
+              <a:t>Система</a:t>
+            </a:r>
+            <a:r>
+              <a:rPr lang="ru-RU" dirty="0"/>
+              <a:t> лайков и комментариев</a:t>
             </a:r>
           </a:p>
         </p:txBody>
@@ -10293,7 +9989,7 @@
           <p:cNvPr id="5" name="Рисунок 4">
             <a:extLst>
               <a:ext uri="{FF2B5EF4-FFF2-40B4-BE49-F238E27FC236}">
-                <a16:creationId xmlns:a16="http://schemas.microsoft.com/office/drawing/2014/main" id="{760B2AD6-1DED-47AE-832A-921BB1CE8C99}"/>
+                <a16:creationId xmlns:a16="http://schemas.microsoft.com/office/drawing/2014/main" id="{E2BEEC0C-4E16-4F60-91DC-2168318694AA}"/>
               </a:ext>
             </a:extLst>
           </p:cNvPr>
@@ -10303,31 +9999,141 @@
           <p:nvPr/>
         </p:nvPicPr>
         <p:blipFill>
-          <a:blip r:embed="rId2">
-            <a:extLst>
-              <a:ext uri="{28A0092B-C50C-407E-A947-70E740481C1C}">
-                <a14:useLocalDpi xmlns:a14="http://schemas.microsoft.com/office/drawing/2010/main" val="0"/>
-              </a:ext>
-            </a:extLst>
-          </a:blip>
+          <a:blip r:embed="rId2"/>
           <a:stretch>
             <a:fillRect/>
           </a:stretch>
         </p:blipFill>
         <p:spPr>
           <a:xfrm>
-            <a:off x="2571865" y="2280050"/>
-            <a:ext cx="7048269" cy="4031849"/>
+            <a:off x="680321" y="2715774"/>
+            <a:ext cx="4879340" cy="3388998"/>
           </a:xfrm>
           <a:prstGeom prst="rect">
             <a:avLst/>
           </a:prstGeom>
         </p:spPr>
       </p:pic>
+      <p:pic>
+        <p:nvPicPr>
+          <p:cNvPr id="7" name="Рисунок 6">
+            <a:extLst>
+              <a:ext uri="{FF2B5EF4-FFF2-40B4-BE49-F238E27FC236}">
+                <a16:creationId xmlns:a16="http://schemas.microsoft.com/office/drawing/2014/main" id="{1AC188B7-E672-40D2-9747-B5BF42CCDC59}"/>
+              </a:ext>
+            </a:extLst>
+          </p:cNvPr>
+          <p:cNvPicPr>
+            <a:picLocks noChangeAspect="1"/>
+          </p:cNvPicPr>
+          <p:nvPr/>
+        </p:nvPicPr>
+        <p:blipFill>
+          <a:blip r:embed="rId3"/>
+          <a:stretch>
+            <a:fillRect/>
+          </a:stretch>
+        </p:blipFill>
+        <p:spPr>
+          <a:xfrm>
+            <a:off x="5947589" y="2715774"/>
+            <a:ext cx="4879340" cy="3404477"/>
+          </a:xfrm>
+          <a:prstGeom prst="rect">
+            <a:avLst/>
+          </a:prstGeom>
+        </p:spPr>
+      </p:pic>
+      <p:sp>
+        <p:nvSpPr>
+          <p:cNvPr id="8" name="TextBox 7">
+            <a:extLst>
+              <a:ext uri="{FF2B5EF4-FFF2-40B4-BE49-F238E27FC236}">
+                <a16:creationId xmlns:a16="http://schemas.microsoft.com/office/drawing/2014/main" id="{1A39A8D1-7A9B-4692-A724-A05EA7E76390}"/>
+              </a:ext>
+            </a:extLst>
+          </p:cNvPr>
+          <p:cNvSpPr txBox="1"/>
+          <p:nvPr/>
+        </p:nvSpPr>
+        <p:spPr>
+          <a:xfrm>
+            <a:off x="1244053" y="2244389"/>
+            <a:ext cx="3976629" cy="461665"/>
+          </a:xfrm>
+          <a:prstGeom prst="rect">
+            <a:avLst/>
+          </a:prstGeom>
+          <a:noFill/>
+        </p:spPr>
+        <p:txBody>
+          <a:bodyPr wrap="square" rtlCol="0">
+            <a:spAutoFit/>
+          </a:bodyPr>
+          <a:lstStyle/>
+          <a:p>
+            <a:r>
+              <a:rPr lang="ru-RU" sz="2400" b="1" dirty="0"/>
+              <a:t>Убрать </a:t>
+            </a:r>
+            <a:r>
+              <a:rPr lang="en-US" sz="2400" b="1" dirty="0"/>
+              <a:t>/</a:t>
+            </a:r>
+            <a:r>
+              <a:rPr lang="ru-RU" sz="2400" b="1" dirty="0"/>
+              <a:t> поставить лайк</a:t>
+            </a:r>
+          </a:p>
+        </p:txBody>
+      </p:sp>
+      <p:sp>
+        <p:nvSpPr>
+          <p:cNvPr id="9" name="TextBox 8">
+            <a:extLst>
+              <a:ext uri="{FF2B5EF4-FFF2-40B4-BE49-F238E27FC236}">
+                <a16:creationId xmlns:a16="http://schemas.microsoft.com/office/drawing/2014/main" id="{F45D3B6C-6858-40F2-AEA8-AE76E289024F}"/>
+              </a:ext>
+            </a:extLst>
+          </p:cNvPr>
+          <p:cNvSpPr txBox="1"/>
+          <p:nvPr/>
+        </p:nvSpPr>
+        <p:spPr>
+          <a:xfrm>
+            <a:off x="6543587" y="2244390"/>
+            <a:ext cx="4283341" cy="461665"/>
+          </a:xfrm>
+          <a:prstGeom prst="rect">
+            <a:avLst/>
+          </a:prstGeom>
+          <a:noFill/>
+        </p:spPr>
+        <p:txBody>
+          <a:bodyPr wrap="square" rtlCol="0">
+            <a:spAutoFit/>
+          </a:bodyPr>
+          <a:lstStyle/>
+          <a:p>
+            <a:r>
+              <a:rPr lang="ru-RU" sz="2400" b="1" dirty="0"/>
+              <a:t>Подписаться </a:t>
+            </a:r>
+            <a:r>
+              <a:rPr lang="en-US" sz="2400" b="1" dirty="0"/>
+              <a:t>/</a:t>
+            </a:r>
+            <a:r>
+              <a:rPr lang="ru-RU" sz="2400" b="1" dirty="0"/>
+              <a:t> отписаться</a:t>
+            </a:r>
+          </a:p>
+        </p:txBody>
+      </p:sp>
     </p:spTree>
     <p:extLst>
       <p:ext uri="{BB962C8B-B14F-4D97-AF65-F5344CB8AC3E}">
-        <p14:creationId xmlns:p14="http://schemas.microsoft.com/office/powerpoint/2010/main" val="3089965097"/>
+        <p14:creationId xmlns:p14="http://schemas.microsoft.com/office/powerpoint/2010/main" val="3612269172"/>
       </p:ext>
     </p:extLst>
   </p:cSld>
